--- a/sitioWeb/guiaEstilos/guiaEstilos-sitioWeb.pptx
+++ b/sitioWeb/guiaEstilos/guiaEstilos-sitioWeb.pptx
@@ -11,7 +11,8 @@
     <p:sldId id="258" r:id="rId5"/>
     <p:sldId id="259" r:id="rId6"/>
     <p:sldId id="269" r:id="rId7"/>
-    <p:sldId id="271" r:id="rId8"/>
+    <p:sldId id="272" r:id="rId8"/>
+    <p:sldId id="271" r:id="rId9"/>
   </p:sldIdLst>
   <p:sldSz cx="6858000" cy="9144000" type="letter"/>
   <p:notesSz cx="6858000" cy="9144000"/>
@@ -260,7 +261,7 @@
           <a:p>
             <a:fld id="{67935B02-8599-47F8-9AE2-CDA91D46B509}" type="datetimeFigureOut">
               <a:rPr lang="es-ES_tradnl" smtClean="0"/>
-              <a:t>02/02/2023</a:t>
+              <a:t>27/03/2023</a:t>
             </a:fld>
             <a:endParaRPr lang="es-ES_tradnl"/>
           </a:p>
@@ -302,7 +303,7 @@
           <a:p>
             <a:fld id="{336E7E37-C9BF-4381-8880-458098A98893}" type="slidenum">
               <a:rPr lang="es-ES_tradnl" smtClean="0"/>
-              <a:t>‹#›</a:t>
+              <a:t>‹Nº›</a:t>
             </a:fld>
             <a:endParaRPr lang="es-ES_tradnl"/>
           </a:p>
@@ -430,7 +431,7 @@
           <a:p>
             <a:fld id="{67935B02-8599-47F8-9AE2-CDA91D46B509}" type="datetimeFigureOut">
               <a:rPr lang="es-ES_tradnl" smtClean="0"/>
-              <a:t>02/02/2023</a:t>
+              <a:t>27/03/2023</a:t>
             </a:fld>
             <a:endParaRPr lang="es-ES_tradnl"/>
           </a:p>
@@ -472,7 +473,7 @@
           <a:p>
             <a:fld id="{336E7E37-C9BF-4381-8880-458098A98893}" type="slidenum">
               <a:rPr lang="es-ES_tradnl" smtClean="0"/>
-              <a:t>‹#›</a:t>
+              <a:t>‹Nº›</a:t>
             </a:fld>
             <a:endParaRPr lang="es-ES_tradnl"/>
           </a:p>
@@ -610,7 +611,7 @@
           <a:p>
             <a:fld id="{67935B02-8599-47F8-9AE2-CDA91D46B509}" type="datetimeFigureOut">
               <a:rPr lang="es-ES_tradnl" smtClean="0"/>
-              <a:t>02/02/2023</a:t>
+              <a:t>27/03/2023</a:t>
             </a:fld>
             <a:endParaRPr lang="es-ES_tradnl"/>
           </a:p>
@@ -652,7 +653,7 @@
           <a:p>
             <a:fld id="{336E7E37-C9BF-4381-8880-458098A98893}" type="slidenum">
               <a:rPr lang="es-ES_tradnl" smtClean="0"/>
-              <a:t>‹#›</a:t>
+              <a:t>‹Nº›</a:t>
             </a:fld>
             <a:endParaRPr lang="es-ES_tradnl"/>
           </a:p>
@@ -780,7 +781,7 @@
           <a:p>
             <a:fld id="{67935B02-8599-47F8-9AE2-CDA91D46B509}" type="datetimeFigureOut">
               <a:rPr lang="es-ES_tradnl" smtClean="0"/>
-              <a:t>02/02/2023</a:t>
+              <a:t>27/03/2023</a:t>
             </a:fld>
             <a:endParaRPr lang="es-ES_tradnl"/>
           </a:p>
@@ -822,7 +823,7 @@
           <a:p>
             <a:fld id="{336E7E37-C9BF-4381-8880-458098A98893}" type="slidenum">
               <a:rPr lang="es-ES_tradnl" smtClean="0"/>
-              <a:t>‹#›</a:t>
+              <a:t>‹Nº›</a:t>
             </a:fld>
             <a:endParaRPr lang="es-ES_tradnl"/>
           </a:p>
@@ -1024,7 +1025,7 @@
           <a:p>
             <a:fld id="{67935B02-8599-47F8-9AE2-CDA91D46B509}" type="datetimeFigureOut">
               <a:rPr lang="es-ES_tradnl" smtClean="0"/>
-              <a:t>02/02/2023</a:t>
+              <a:t>27/03/2023</a:t>
             </a:fld>
             <a:endParaRPr lang="es-ES_tradnl"/>
           </a:p>
@@ -1066,7 +1067,7 @@
           <a:p>
             <a:fld id="{336E7E37-C9BF-4381-8880-458098A98893}" type="slidenum">
               <a:rPr lang="es-ES_tradnl" smtClean="0"/>
-              <a:t>‹#›</a:t>
+              <a:t>‹Nº›</a:t>
             </a:fld>
             <a:endParaRPr lang="es-ES_tradnl"/>
           </a:p>
@@ -1256,7 +1257,7 @@
           <a:p>
             <a:fld id="{67935B02-8599-47F8-9AE2-CDA91D46B509}" type="datetimeFigureOut">
               <a:rPr lang="es-ES_tradnl" smtClean="0"/>
-              <a:t>02/02/2023</a:t>
+              <a:t>27/03/2023</a:t>
             </a:fld>
             <a:endParaRPr lang="es-ES_tradnl"/>
           </a:p>
@@ -1298,7 +1299,7 @@
           <a:p>
             <a:fld id="{336E7E37-C9BF-4381-8880-458098A98893}" type="slidenum">
               <a:rPr lang="es-ES_tradnl" smtClean="0"/>
-              <a:t>‹#›</a:t>
+              <a:t>‹Nº›</a:t>
             </a:fld>
             <a:endParaRPr lang="es-ES_tradnl"/>
           </a:p>
@@ -1623,7 +1624,7 @@
           <a:p>
             <a:fld id="{67935B02-8599-47F8-9AE2-CDA91D46B509}" type="datetimeFigureOut">
               <a:rPr lang="es-ES_tradnl" smtClean="0"/>
-              <a:t>02/02/2023</a:t>
+              <a:t>27/03/2023</a:t>
             </a:fld>
             <a:endParaRPr lang="es-ES_tradnl"/>
           </a:p>
@@ -1665,7 +1666,7 @@
           <a:p>
             <a:fld id="{336E7E37-C9BF-4381-8880-458098A98893}" type="slidenum">
               <a:rPr lang="es-ES_tradnl" smtClean="0"/>
-              <a:t>‹#›</a:t>
+              <a:t>‹Nº›</a:t>
             </a:fld>
             <a:endParaRPr lang="es-ES_tradnl"/>
           </a:p>
@@ -1741,7 +1742,7 @@
           <a:p>
             <a:fld id="{67935B02-8599-47F8-9AE2-CDA91D46B509}" type="datetimeFigureOut">
               <a:rPr lang="es-ES_tradnl" smtClean="0"/>
-              <a:t>02/02/2023</a:t>
+              <a:t>27/03/2023</a:t>
             </a:fld>
             <a:endParaRPr lang="es-ES_tradnl"/>
           </a:p>
@@ -1783,7 +1784,7 @@
           <a:p>
             <a:fld id="{336E7E37-C9BF-4381-8880-458098A98893}" type="slidenum">
               <a:rPr lang="es-ES_tradnl" smtClean="0"/>
-              <a:t>‹#›</a:t>
+              <a:t>‹Nº›</a:t>
             </a:fld>
             <a:endParaRPr lang="es-ES_tradnl"/>
           </a:p>
@@ -1836,7 +1837,7 @@
           <a:p>
             <a:fld id="{67935B02-8599-47F8-9AE2-CDA91D46B509}" type="datetimeFigureOut">
               <a:rPr lang="es-ES_tradnl" smtClean="0"/>
-              <a:t>02/02/2023</a:t>
+              <a:t>27/03/2023</a:t>
             </a:fld>
             <a:endParaRPr lang="es-ES_tradnl"/>
           </a:p>
@@ -1878,7 +1879,7 @@
           <a:p>
             <a:fld id="{336E7E37-C9BF-4381-8880-458098A98893}" type="slidenum">
               <a:rPr lang="es-ES_tradnl" smtClean="0"/>
-              <a:t>‹#›</a:t>
+              <a:t>‹Nº›</a:t>
             </a:fld>
             <a:endParaRPr lang="es-ES_tradnl"/>
           </a:p>
@@ -2113,7 +2114,7 @@
           <a:p>
             <a:fld id="{67935B02-8599-47F8-9AE2-CDA91D46B509}" type="datetimeFigureOut">
               <a:rPr lang="es-ES_tradnl" smtClean="0"/>
-              <a:t>02/02/2023</a:t>
+              <a:t>27/03/2023</a:t>
             </a:fld>
             <a:endParaRPr lang="es-ES_tradnl"/>
           </a:p>
@@ -2155,7 +2156,7 @@
           <a:p>
             <a:fld id="{336E7E37-C9BF-4381-8880-458098A98893}" type="slidenum">
               <a:rPr lang="es-ES_tradnl" smtClean="0"/>
-              <a:t>‹#›</a:t>
+              <a:t>‹Nº›</a:t>
             </a:fld>
             <a:endParaRPr lang="es-ES_tradnl"/>
           </a:p>
@@ -2370,7 +2371,7 @@
           <a:p>
             <a:fld id="{67935B02-8599-47F8-9AE2-CDA91D46B509}" type="datetimeFigureOut">
               <a:rPr lang="es-ES_tradnl" smtClean="0"/>
-              <a:t>02/02/2023</a:t>
+              <a:t>27/03/2023</a:t>
             </a:fld>
             <a:endParaRPr lang="es-ES_tradnl"/>
           </a:p>
@@ -2412,7 +2413,7 @@
           <a:p>
             <a:fld id="{336E7E37-C9BF-4381-8880-458098A98893}" type="slidenum">
               <a:rPr lang="es-ES_tradnl" smtClean="0"/>
-              <a:t>‹#›</a:t>
+              <a:t>‹Nº›</a:t>
             </a:fld>
             <a:endParaRPr lang="es-ES_tradnl"/>
           </a:p>
@@ -2583,7 +2584,7 @@
           <a:p>
             <a:fld id="{67935B02-8599-47F8-9AE2-CDA91D46B509}" type="datetimeFigureOut">
               <a:rPr lang="es-ES_tradnl" smtClean="0"/>
-              <a:t>02/02/2023</a:t>
+              <a:t>27/03/2023</a:t>
             </a:fld>
             <a:endParaRPr lang="es-ES_tradnl"/>
           </a:p>
@@ -2661,7 +2662,7 @@
           <a:p>
             <a:fld id="{336E7E37-C9BF-4381-8880-458098A98893}" type="slidenum">
               <a:rPr lang="es-ES_tradnl" smtClean="0"/>
-              <a:t>‹#›</a:t>
+              <a:t>‹Nº›</a:t>
             </a:fld>
             <a:endParaRPr lang="es-ES_tradnl"/>
           </a:p>
@@ -3066,7 +3067,7 @@
                 <a:latin typeface="Arial" panose="020B0604020202020204" pitchFamily="34" charset="0"/>
                 <a:cs typeface="Arial" panose="020B0604020202020204" pitchFamily="34" charset="0"/>
               </a:rPr>
-              <a:t>Tarea Evaluable Sitio Web - 1</a:t>
+              <a:t>Tarea Evaluable Sitio Web - 2</a:t>
             </a:r>
           </a:p>
         </p:txBody>
@@ -5404,7 +5405,42 @@
                 <a:latin typeface="Arial" panose="020B0604020202020204" pitchFamily="34" charset="0"/>
                 <a:cs typeface="Arial" panose="020B0604020202020204" pitchFamily="34" charset="0"/>
               </a:rPr>
-              <a:t>“Arial”</a:t>
+              <a:t>“</a:t>
+            </a:r>
+            <a:r>
+              <a:rPr lang="es-ES" b="1" dirty="0">
+                <a:effectLst/>
+                <a:latin typeface="Consolas" panose="020B0609020204030204" pitchFamily="49" charset="0"/>
+              </a:rPr>
+              <a:t>'</a:t>
+            </a:r>
+            <a:r>
+              <a:rPr lang="es-ES" b="1" dirty="0" err="1">
+                <a:effectLst/>
+                <a:latin typeface="Consolas" panose="020B0609020204030204" pitchFamily="49" charset="0"/>
+              </a:rPr>
+              <a:t>Finlandica</a:t>
+            </a:r>
+            <a:r>
+              <a:rPr lang="es-ES" b="1" dirty="0">
+                <a:effectLst/>
+                <a:latin typeface="Consolas" panose="020B0609020204030204" pitchFamily="49" charset="0"/>
+              </a:rPr>
+              <a:t>', </a:t>
+            </a:r>
+            <a:r>
+              <a:rPr lang="es-ES" b="1" dirty="0" err="1">
+                <a:effectLst/>
+                <a:latin typeface="Consolas" panose="020B0609020204030204" pitchFamily="49" charset="0"/>
+              </a:rPr>
+              <a:t>sans-serif</a:t>
+            </a:r>
+            <a:r>
+              <a:rPr lang="pt-BR" b="1" dirty="0">
+                <a:latin typeface="Arial" panose="020B0604020202020204" pitchFamily="34" charset="0"/>
+                <a:cs typeface="Arial" panose="020B0604020202020204" pitchFamily="34" charset="0"/>
+              </a:rPr>
+              <a:t>”</a:t>
             </a:r>
             <a:r>
               <a:rPr lang="pt-BR" dirty="0">
@@ -5614,86 +5650,7 @@
                 <a:latin typeface="Arial" panose="020B0604020202020204" pitchFamily="34" charset="0"/>
                 <a:cs typeface="Arial" panose="020B0604020202020204" pitchFamily="34" charset="0"/>
               </a:rPr>
-              <a:t>. Por ultimo estabelecer um </a:t>
-            </a:r>
-            <a:r>
-              <a:rPr lang="pt-BR" dirty="0" err="1">
-                <a:latin typeface="Arial" panose="020B0604020202020204" pitchFamily="34" charset="0"/>
-                <a:cs typeface="Arial" panose="020B0604020202020204" pitchFamily="34" charset="0"/>
-              </a:rPr>
-              <a:t>interlineado</a:t>
-            </a:r>
-            <a:r>
-              <a:rPr lang="pt-BR" dirty="0">
-                <a:latin typeface="Arial" panose="020B0604020202020204" pitchFamily="34" charset="0"/>
-                <a:cs typeface="Arial" panose="020B0604020202020204" pitchFamily="34" charset="0"/>
-              </a:rPr>
-              <a:t> </a:t>
-            </a:r>
-            <a:r>
-              <a:rPr lang="pt-BR" dirty="0" err="1">
-                <a:latin typeface="Arial" panose="020B0604020202020204" pitchFamily="34" charset="0"/>
-                <a:cs typeface="Arial" panose="020B0604020202020204" pitchFamily="34" charset="0"/>
-              </a:rPr>
-              <a:t>del</a:t>
-            </a:r>
-            <a:r>
-              <a:rPr lang="pt-BR" dirty="0">
-                <a:latin typeface="Arial" panose="020B0604020202020204" pitchFamily="34" charset="0"/>
-                <a:cs typeface="Arial" panose="020B0604020202020204" pitchFamily="34" charset="0"/>
-              </a:rPr>
-              <a:t> 1.5. </a:t>
-            </a:r>
-          </a:p>
-        </p:txBody>
-      </p:sp>
-      <p:sp>
-        <p:nvSpPr>
-          <p:cNvPr id="7" name="CuadroTexto 7">
-            <a:extLst>
-              <a:ext uri="{FF2B5EF4-FFF2-40B4-BE49-F238E27FC236}">
-                <a16:creationId xmlns:a16="http://schemas.microsoft.com/office/drawing/2014/main" id="{EF97EDC2-F703-778F-2BF8-B10B11AEAC2A}"/>
-              </a:ext>
-            </a:extLst>
-          </p:cNvPr>
-          <p:cNvSpPr txBox="1"/>
-          <p:nvPr/>
-        </p:nvSpPr>
-        <p:spPr>
-          <a:xfrm>
-            <a:off x="1645372" y="5268280"/>
-            <a:ext cx="3506491" cy="369332"/>
-          </a:xfrm>
-          <a:prstGeom prst="rect">
-            <a:avLst/>
-          </a:prstGeom>
-          <a:noFill/>
-        </p:spPr>
-        <p:txBody>
-          <a:bodyPr wrap="square" rtlCol="0">
-            <a:spAutoFit/>
-          </a:bodyPr>
-          <a:lstStyle/>
-          <a:p>
-            <a:r>
-              <a:rPr lang="pt-BR" dirty="0" err="1">
-                <a:solidFill>
-                  <a:schemeClr val="bg1"/>
-                </a:solidFill>
-                <a:latin typeface="Arial" panose="020B0604020202020204" pitchFamily="34" charset="0"/>
-                <a:cs typeface="Arial" panose="020B0604020202020204" pitchFamily="34" charset="0"/>
-              </a:rPr>
-              <a:t>Tipografía</a:t>
-            </a:r>
-            <a:r>
-              <a:rPr lang="pt-BR" dirty="0">
-                <a:solidFill>
-                  <a:schemeClr val="bg1"/>
-                </a:solidFill>
-                <a:latin typeface="Arial" panose="020B0604020202020204" pitchFamily="34" charset="0"/>
-                <a:cs typeface="Arial" panose="020B0604020202020204" pitchFamily="34" charset="0"/>
-              </a:rPr>
-              <a:t> principal para titulares </a:t>
+              <a:t>.</a:t>
             </a:r>
           </a:p>
         </p:txBody>
@@ -5743,6 +5700,66 @@
           </a:p>
         </p:txBody>
       </p:sp>
+      <p:pic>
+        <p:nvPicPr>
+          <p:cNvPr id="12" name="Imagen 11">
+            <a:extLst>
+              <a:ext uri="{FF2B5EF4-FFF2-40B4-BE49-F238E27FC236}">
+                <a16:creationId xmlns:a16="http://schemas.microsoft.com/office/drawing/2014/main" id="{1647313E-DD26-F4F4-2D72-DC5C2A97DB9C}"/>
+              </a:ext>
+            </a:extLst>
+          </p:cNvPr>
+          <p:cNvPicPr>
+            <a:picLocks noChangeAspect="1"/>
+          </p:cNvPicPr>
+          <p:nvPr/>
+        </p:nvPicPr>
+        <p:blipFill>
+          <a:blip r:embed="rId2"/>
+          <a:stretch>
+            <a:fillRect/>
+          </a:stretch>
+        </p:blipFill>
+        <p:spPr>
+          <a:xfrm>
+            <a:off x="1301067" y="6412444"/>
+            <a:ext cx="3960914" cy="1678673"/>
+          </a:xfrm>
+          <a:prstGeom prst="rect">
+            <a:avLst/>
+          </a:prstGeom>
+        </p:spPr>
+      </p:pic>
+      <p:pic>
+        <p:nvPicPr>
+          <p:cNvPr id="14" name="Imagen 13">
+            <a:extLst>
+              <a:ext uri="{FF2B5EF4-FFF2-40B4-BE49-F238E27FC236}">
+                <a16:creationId xmlns:a16="http://schemas.microsoft.com/office/drawing/2014/main" id="{EFA1BAB4-B4D8-FE84-55D4-6CB06CD172D5}"/>
+              </a:ext>
+            </a:extLst>
+          </p:cNvPr>
+          <p:cNvPicPr>
+            <a:picLocks noChangeAspect="1"/>
+          </p:cNvPicPr>
+          <p:nvPr/>
+        </p:nvPicPr>
+        <p:blipFill>
+          <a:blip r:embed="rId3"/>
+          <a:stretch>
+            <a:fillRect/>
+          </a:stretch>
+        </p:blipFill>
+        <p:spPr>
+          <a:xfrm>
+            <a:off x="2176287" y="4914708"/>
+            <a:ext cx="2505425" cy="1076475"/>
+          </a:xfrm>
+          <a:prstGeom prst="rect">
+            <a:avLst/>
+          </a:prstGeom>
+        </p:spPr>
+      </p:pic>
     </p:spTree>
     <p:extLst>
       <p:ext uri="{BB962C8B-B14F-4D97-AF65-F5344CB8AC3E}">
@@ -5971,7 +5988,7 @@
             <a:avLst/>
           </a:prstGeom>
           <a:solidFill>
-            <a:srgbClr val="740000"/>
+            <a:srgbClr val="570000"/>
           </a:solidFill>
           <a:ln>
             <a:noFill/>
@@ -6089,7 +6106,7 @@
                 </a:solidFill>
                 <a:latin typeface="Ubuntu" panose="020B0504030602030204" pitchFamily="34" charset="0"/>
               </a:rPr>
-              <a:t>(116, 0, 0)</a:t>
+              <a:t>(87, 0, 0)</a:t>
             </a:r>
             <a:endParaRPr lang="es-ES_tradnl" sz="2400" dirty="0">
               <a:solidFill>
@@ -7180,12 +7197,570 @@
           </a:p>
         </p:txBody>
       </p:sp>
+      <p:sp>
+        <p:nvSpPr>
+          <p:cNvPr id="32" name="TextBox 31">
+            <a:extLst>
+              <a:ext uri="{FF2B5EF4-FFF2-40B4-BE49-F238E27FC236}">
+                <a16:creationId xmlns:a16="http://schemas.microsoft.com/office/drawing/2014/main" id="{5FCAEB43-38A3-7736-0AC1-54E64573C54E}"/>
+              </a:ext>
+            </a:extLst>
+          </p:cNvPr>
+          <p:cNvSpPr txBox="1"/>
+          <p:nvPr/>
+        </p:nvSpPr>
+        <p:spPr>
+          <a:xfrm>
+            <a:off x="431457" y="2093849"/>
+            <a:ext cx="4362915" cy="369332"/>
+          </a:xfrm>
+          <a:prstGeom prst="rect">
+            <a:avLst/>
+          </a:prstGeom>
+          <a:noFill/>
+        </p:spPr>
+        <p:txBody>
+          <a:bodyPr wrap="square">
+            <a:spAutoFit/>
+          </a:bodyPr>
+          <a:lstStyle/>
+          <a:p>
+            <a:r>
+              <a:rPr lang="es-ES" dirty="0">
+                <a:hlinkClick r:id="rId2"/>
+              </a:rPr>
+              <a:t>https://github.com/mch56693/CSS.git</a:t>
+            </a:r>
+            <a:endParaRPr lang="es-ES" dirty="0"/>
+          </a:p>
+        </p:txBody>
+      </p:sp>
+      <p:sp>
+        <p:nvSpPr>
+          <p:cNvPr id="7" name="TextBox 6">
+            <a:extLst>
+              <a:ext uri="{FF2B5EF4-FFF2-40B4-BE49-F238E27FC236}">
+                <a16:creationId xmlns:a16="http://schemas.microsoft.com/office/drawing/2014/main" id="{55B2959E-1254-A500-DE45-C95A8BA15770}"/>
+              </a:ext>
+            </a:extLst>
+          </p:cNvPr>
+          <p:cNvSpPr txBox="1"/>
+          <p:nvPr/>
+        </p:nvSpPr>
+        <p:spPr>
+          <a:xfrm>
+            <a:off x="431457" y="1815007"/>
+            <a:ext cx="4362915" cy="369332"/>
+          </a:xfrm>
+          <a:prstGeom prst="rect">
+            <a:avLst/>
+          </a:prstGeom>
+          <a:noFill/>
+        </p:spPr>
+        <p:txBody>
+          <a:bodyPr wrap="square">
+            <a:spAutoFit/>
+          </a:bodyPr>
+          <a:lstStyle/>
+          <a:p>
+            <a:r>
+              <a:rPr lang="es-ES" i="0" u="none" strike="noStrike" dirty="0">
+                <a:effectLst/>
+                <a:latin typeface="-apple-system"/>
+                <a:hlinkClick r:id="rId3"/>
+              </a:rPr>
+              <a:t>https://mch56693.github.io/PHP/</a:t>
+            </a:r>
+            <a:endParaRPr lang="es-ES" dirty="0"/>
+          </a:p>
+        </p:txBody>
+      </p:sp>
       <p:pic>
         <p:nvPicPr>
-          <p:cNvPr id="9" name="Picture 8">
+          <p:cNvPr id="8" name="Imagen 7">
             <a:extLst>
               <a:ext uri="{FF2B5EF4-FFF2-40B4-BE49-F238E27FC236}">
-                <a16:creationId xmlns:a16="http://schemas.microsoft.com/office/drawing/2014/main" id="{4043D620-59D5-3C2F-11AA-9F8A825528FA}"/>
+                <a16:creationId xmlns:a16="http://schemas.microsoft.com/office/drawing/2014/main" id="{546FB8EB-8D7A-4431-029C-2726A4880807}"/>
+              </a:ext>
+            </a:extLst>
+          </p:cNvPr>
+          <p:cNvPicPr>
+            <a:picLocks noChangeAspect="1"/>
+          </p:cNvPicPr>
+          <p:nvPr/>
+        </p:nvPicPr>
+        <p:blipFill>
+          <a:blip r:embed="rId4"/>
+          <a:stretch>
+            <a:fillRect/>
+          </a:stretch>
+        </p:blipFill>
+        <p:spPr>
+          <a:xfrm>
+            <a:off x="596011" y="2544433"/>
+            <a:ext cx="5752431" cy="3018078"/>
+          </a:xfrm>
+          <a:prstGeom prst="rect">
+            <a:avLst/>
+          </a:prstGeom>
+        </p:spPr>
+      </p:pic>
+      <p:pic>
+        <p:nvPicPr>
+          <p:cNvPr id="11" name="Imagen 10">
+            <a:extLst>
+              <a:ext uri="{FF2B5EF4-FFF2-40B4-BE49-F238E27FC236}">
+                <a16:creationId xmlns:a16="http://schemas.microsoft.com/office/drawing/2014/main" id="{B9866C6B-5F32-D922-3B72-3B2E4B5CA96D}"/>
+              </a:ext>
+            </a:extLst>
+          </p:cNvPr>
+          <p:cNvPicPr>
+            <a:picLocks noChangeAspect="1"/>
+          </p:cNvPicPr>
+          <p:nvPr/>
+        </p:nvPicPr>
+        <p:blipFill>
+          <a:blip r:embed="rId5"/>
+          <a:stretch>
+            <a:fillRect/>
+          </a:stretch>
+        </p:blipFill>
+        <p:spPr>
+          <a:xfrm>
+            <a:off x="117246" y="5800031"/>
+            <a:ext cx="2552840" cy="1656092"/>
+          </a:xfrm>
+          <a:prstGeom prst="rect">
+            <a:avLst/>
+          </a:prstGeom>
+        </p:spPr>
+      </p:pic>
+      <p:pic>
+        <p:nvPicPr>
+          <p:cNvPr id="13" name="Imagen 12">
+            <a:extLst>
+              <a:ext uri="{FF2B5EF4-FFF2-40B4-BE49-F238E27FC236}">
+                <a16:creationId xmlns:a16="http://schemas.microsoft.com/office/drawing/2014/main" id="{D264D99F-6255-0AA6-B9A4-822574CE21FD}"/>
+              </a:ext>
+            </a:extLst>
+          </p:cNvPr>
+          <p:cNvPicPr>
+            <a:picLocks noChangeAspect="1"/>
+          </p:cNvPicPr>
+          <p:nvPr/>
+        </p:nvPicPr>
+        <p:blipFill rotWithShape="1">
+          <a:blip r:embed="rId6"/>
+          <a:srcRect b="56165"/>
+          <a:stretch/>
+        </p:blipFill>
+        <p:spPr>
+          <a:xfrm>
+            <a:off x="117246" y="7923072"/>
+            <a:ext cx="1707379" cy="917436"/>
+          </a:xfrm>
+          <a:prstGeom prst="rect">
+            <a:avLst/>
+          </a:prstGeom>
+        </p:spPr>
+      </p:pic>
+      <p:pic>
+        <p:nvPicPr>
+          <p:cNvPr id="15" name="Imagen 14">
+            <a:extLst>
+              <a:ext uri="{FF2B5EF4-FFF2-40B4-BE49-F238E27FC236}">
+                <a16:creationId xmlns:a16="http://schemas.microsoft.com/office/drawing/2014/main" id="{593AC9AE-2962-2AD8-81CE-B642D5DC87E6}"/>
+              </a:ext>
+            </a:extLst>
+          </p:cNvPr>
+          <p:cNvPicPr>
+            <a:picLocks noChangeAspect="1"/>
+          </p:cNvPicPr>
+          <p:nvPr/>
+        </p:nvPicPr>
+        <p:blipFill rotWithShape="1">
+          <a:blip r:embed="rId6"/>
+          <a:srcRect t="44119"/>
+          <a:stretch/>
+        </p:blipFill>
+        <p:spPr>
+          <a:xfrm>
+            <a:off x="1824625" y="7778319"/>
+            <a:ext cx="1576581" cy="1079940"/>
+          </a:xfrm>
+          <a:prstGeom prst="rect">
+            <a:avLst/>
+          </a:prstGeom>
+        </p:spPr>
+      </p:pic>
+      <p:pic>
+        <p:nvPicPr>
+          <p:cNvPr id="17" name="Imagen 16">
+            <a:extLst>
+              <a:ext uri="{FF2B5EF4-FFF2-40B4-BE49-F238E27FC236}">
+                <a16:creationId xmlns:a16="http://schemas.microsoft.com/office/drawing/2014/main" id="{74694183-1EAF-7D40-7E3B-FAB556322039}"/>
+              </a:ext>
+            </a:extLst>
+          </p:cNvPr>
+          <p:cNvPicPr>
+            <a:picLocks noChangeAspect="1"/>
+          </p:cNvPicPr>
+          <p:nvPr/>
+        </p:nvPicPr>
+        <p:blipFill>
+          <a:blip r:embed="rId7"/>
+          <a:stretch>
+            <a:fillRect/>
+          </a:stretch>
+        </p:blipFill>
+        <p:spPr>
+          <a:xfrm>
+            <a:off x="2670086" y="5800031"/>
+            <a:ext cx="2181236" cy="1897036"/>
+          </a:xfrm>
+          <a:prstGeom prst="rect">
+            <a:avLst/>
+          </a:prstGeom>
+        </p:spPr>
+      </p:pic>
+      <p:pic>
+        <p:nvPicPr>
+          <p:cNvPr id="19" name="Imagen 18">
+            <a:extLst>
+              <a:ext uri="{FF2B5EF4-FFF2-40B4-BE49-F238E27FC236}">
+                <a16:creationId xmlns:a16="http://schemas.microsoft.com/office/drawing/2014/main" id="{4D1315F0-E218-FC71-1B68-4A17AF52B113}"/>
+              </a:ext>
+            </a:extLst>
+          </p:cNvPr>
+          <p:cNvPicPr>
+            <a:picLocks noChangeAspect="1"/>
+          </p:cNvPicPr>
+          <p:nvPr/>
+        </p:nvPicPr>
+        <p:blipFill>
+          <a:blip r:embed="rId8"/>
+          <a:stretch>
+            <a:fillRect/>
+          </a:stretch>
+        </p:blipFill>
+        <p:spPr>
+          <a:xfrm>
+            <a:off x="4851322" y="5797237"/>
+            <a:ext cx="1757333" cy="1127622"/>
+          </a:xfrm>
+          <a:prstGeom prst="rect">
+            <a:avLst/>
+          </a:prstGeom>
+        </p:spPr>
+      </p:pic>
+      <p:pic>
+        <p:nvPicPr>
+          <p:cNvPr id="22" name="Imagen 21">
+            <a:extLst>
+              <a:ext uri="{FF2B5EF4-FFF2-40B4-BE49-F238E27FC236}">
+                <a16:creationId xmlns:a16="http://schemas.microsoft.com/office/drawing/2014/main" id="{B29FE89C-D639-B578-BD41-7C3018F6E60C}"/>
+              </a:ext>
+            </a:extLst>
+          </p:cNvPr>
+          <p:cNvPicPr>
+            <a:picLocks noChangeAspect="1"/>
+          </p:cNvPicPr>
+          <p:nvPr/>
+        </p:nvPicPr>
+        <p:blipFill>
+          <a:blip r:embed="rId9"/>
+          <a:stretch>
+            <a:fillRect/>
+          </a:stretch>
+        </p:blipFill>
+        <p:spPr>
+          <a:xfrm>
+            <a:off x="4851322" y="6924859"/>
+            <a:ext cx="1660989" cy="1331595"/>
+          </a:xfrm>
+          <a:prstGeom prst="rect">
+            <a:avLst/>
+          </a:prstGeom>
+        </p:spPr>
+      </p:pic>
+      <p:pic>
+        <p:nvPicPr>
+          <p:cNvPr id="25" name="Imagen 24">
+            <a:extLst>
+              <a:ext uri="{FF2B5EF4-FFF2-40B4-BE49-F238E27FC236}">
+                <a16:creationId xmlns:a16="http://schemas.microsoft.com/office/drawing/2014/main" id="{8F1CEFB1-D768-A471-963D-BA6C8A28D061}"/>
+              </a:ext>
+            </a:extLst>
+          </p:cNvPr>
+          <p:cNvPicPr>
+            <a:picLocks noChangeAspect="1"/>
+          </p:cNvPicPr>
+          <p:nvPr/>
+        </p:nvPicPr>
+        <p:blipFill>
+          <a:blip r:embed="rId10"/>
+          <a:stretch>
+            <a:fillRect/>
+          </a:stretch>
+        </p:blipFill>
+        <p:spPr>
+          <a:xfrm>
+            <a:off x="4845479" y="8240201"/>
+            <a:ext cx="1757333" cy="536806"/>
+          </a:xfrm>
+          <a:prstGeom prst="rect">
+            <a:avLst/>
+          </a:prstGeom>
+        </p:spPr>
+      </p:pic>
+      <p:pic>
+        <p:nvPicPr>
+          <p:cNvPr id="28" name="Imagen 27">
+            <a:extLst>
+              <a:ext uri="{FF2B5EF4-FFF2-40B4-BE49-F238E27FC236}">
+                <a16:creationId xmlns:a16="http://schemas.microsoft.com/office/drawing/2014/main" id="{2D57227B-8CB6-987C-18FB-E73C8DA909EB}"/>
+              </a:ext>
+            </a:extLst>
+          </p:cNvPr>
+          <p:cNvPicPr>
+            <a:picLocks noChangeAspect="1"/>
+          </p:cNvPicPr>
+          <p:nvPr/>
+        </p:nvPicPr>
+        <p:blipFill>
+          <a:blip r:embed="rId11"/>
+          <a:stretch>
+            <a:fillRect/>
+          </a:stretch>
+        </p:blipFill>
+        <p:spPr>
+          <a:xfrm>
+            <a:off x="3397258" y="8214937"/>
+            <a:ext cx="1217205" cy="631882"/>
+          </a:xfrm>
+          <a:prstGeom prst="rect">
+            <a:avLst/>
+          </a:prstGeom>
+        </p:spPr>
+      </p:pic>
+    </p:spTree>
+    <p:extLst>
+      <p:ext uri="{BB962C8B-B14F-4D97-AF65-F5344CB8AC3E}">
+        <p14:creationId xmlns:p14="http://schemas.microsoft.com/office/powerpoint/2010/main" val="2650330283"/>
+      </p:ext>
+    </p:extLst>
+  </p:cSld>
+  <p:clrMapOvr>
+    <a:masterClrMapping/>
+  </p:clrMapOvr>
+</p:sld>
+</file>
+
+<file path=ppt/slides/slide7.xml><?xml version="1.0" encoding="utf-8"?>
+<p:sld xmlns:a="http://schemas.openxmlformats.org/drawingml/2006/main" xmlns:r="http://schemas.openxmlformats.org/officeDocument/2006/relationships" xmlns:p="http://schemas.openxmlformats.org/presentationml/2006/main">
+  <p:cSld>
+    <p:bg>
+      <p:bgPr>
+        <a:solidFill>
+          <a:schemeClr val="bg1"/>
+        </a:solidFill>
+        <a:effectLst/>
+      </p:bgPr>
+    </p:bg>
+    <p:spTree>
+      <p:nvGrpSpPr>
+        <p:cNvPr id="1" name=""/>
+        <p:cNvGrpSpPr/>
+        <p:nvPr/>
+      </p:nvGrpSpPr>
+      <p:grpSpPr>
+        <a:xfrm>
+          <a:off x="0" y="0"/>
+          <a:ext cx="0" cy="0"/>
+          <a:chOff x="0" y="0"/>
+          <a:chExt cx="0" cy="0"/>
+        </a:xfrm>
+      </p:grpSpPr>
+      <p:sp>
+        <p:nvSpPr>
+          <p:cNvPr id="5" name="CuadroTexto 4"/>
+          <p:cNvSpPr txBox="1"/>
+          <p:nvPr/>
+        </p:nvSpPr>
+        <p:spPr>
+          <a:xfrm>
+            <a:off x="693270" y="574983"/>
+            <a:ext cx="5557915" cy="769441"/>
+          </a:xfrm>
+          <a:prstGeom prst="rect">
+            <a:avLst/>
+          </a:prstGeom>
+          <a:noFill/>
+        </p:spPr>
+        <p:txBody>
+          <a:bodyPr wrap="square" rtlCol="0">
+            <a:spAutoFit/>
+          </a:bodyPr>
+          <a:lstStyle/>
+          <a:p>
+            <a:r>
+              <a:rPr lang="es-ES_tradnl" sz="4400" b="1" dirty="0">
+                <a:latin typeface="Arial Black" panose="020B0A04020102020204" pitchFamily="34" charset="0"/>
+              </a:rPr>
+              <a:t>GUÍA DE ESTILO</a:t>
+            </a:r>
+          </a:p>
+        </p:txBody>
+      </p:sp>
+      <p:sp>
+        <p:nvSpPr>
+          <p:cNvPr id="6" name="CuadroTexto 5"/>
+          <p:cNvSpPr txBox="1"/>
+          <p:nvPr/>
+        </p:nvSpPr>
+        <p:spPr>
+          <a:xfrm>
+            <a:off x="791306" y="1172531"/>
+            <a:ext cx="4487275" cy="523220"/>
+          </a:xfrm>
+          <a:prstGeom prst="rect">
+            <a:avLst/>
+          </a:prstGeom>
+          <a:noFill/>
+        </p:spPr>
+        <p:txBody>
+          <a:bodyPr wrap="square" rtlCol="0">
+            <a:spAutoFit/>
+          </a:bodyPr>
+          <a:lstStyle/>
+          <a:p>
+            <a:r>
+              <a:rPr lang="es-ES_tradnl" sz="2800" dirty="0">
+                <a:solidFill>
+                  <a:schemeClr val="tx1">
+                    <a:lumMod val="85000"/>
+                    <a:lumOff val="15000"/>
+                  </a:schemeClr>
+                </a:solidFill>
+                <a:latin typeface="Arial" panose="020B0604020202020204" pitchFamily="34" charset="0"/>
+                <a:cs typeface="Arial" panose="020B0604020202020204" pitchFamily="34" charset="0"/>
+              </a:rPr>
+              <a:t>Ejemplo Código/GitHub</a:t>
+            </a:r>
+          </a:p>
+        </p:txBody>
+      </p:sp>
+      <p:sp>
+        <p:nvSpPr>
+          <p:cNvPr id="2" name="Rectángulo 1"/>
+          <p:cNvSpPr/>
+          <p:nvPr/>
+        </p:nvSpPr>
+        <p:spPr>
+          <a:xfrm>
+            <a:off x="791307" y="1743368"/>
+            <a:ext cx="2490217" cy="45719"/>
+          </a:xfrm>
+          <a:prstGeom prst="rect">
+            <a:avLst/>
+          </a:prstGeom>
+          <a:solidFill>
+            <a:schemeClr val="bg1"/>
+          </a:solidFill>
+          <a:ln>
+            <a:noFill/>
+          </a:ln>
+        </p:spPr>
+        <p:style>
+          <a:lnRef idx="2">
+            <a:schemeClr val="accent1">
+              <a:shade val="50000"/>
+            </a:schemeClr>
+          </a:lnRef>
+          <a:fillRef idx="1">
+            <a:schemeClr val="accent1"/>
+          </a:fillRef>
+          <a:effectRef idx="0">
+            <a:schemeClr val="accent1"/>
+          </a:effectRef>
+          <a:fontRef idx="minor">
+            <a:schemeClr val="lt1"/>
+          </a:fontRef>
+        </p:style>
+        <p:txBody>
+          <a:bodyPr rtlCol="0" anchor="ctr"/>
+          <a:lstStyle/>
+          <a:p>
+            <a:pPr algn="ctr"/>
+            <a:endParaRPr lang="es-ES_tradnl" dirty="0">
+              <a:solidFill>
+                <a:schemeClr val="tx1">
+                  <a:lumMod val="85000"/>
+                  <a:lumOff val="15000"/>
+                </a:schemeClr>
+              </a:solidFill>
+            </a:endParaRPr>
+          </a:p>
+        </p:txBody>
+      </p:sp>
+      <p:sp>
+        <p:nvSpPr>
+          <p:cNvPr id="4" name="Rectángulo 3">
+            <a:extLst>
+              <a:ext uri="{FF2B5EF4-FFF2-40B4-BE49-F238E27FC236}">
+                <a16:creationId xmlns:a16="http://schemas.microsoft.com/office/drawing/2014/main" id="{433068C7-9BEE-5B3A-06E5-707AB3873157}"/>
+              </a:ext>
+            </a:extLst>
+          </p:cNvPr>
+          <p:cNvSpPr/>
+          <p:nvPr/>
+        </p:nvSpPr>
+        <p:spPr>
+          <a:xfrm>
+            <a:off x="791306" y="1721671"/>
+            <a:ext cx="2490217" cy="45719"/>
+          </a:xfrm>
+          <a:prstGeom prst="rect">
+            <a:avLst/>
+          </a:prstGeom>
+          <a:solidFill>
+            <a:schemeClr val="tx1"/>
+          </a:solidFill>
+          <a:ln>
+            <a:noFill/>
+          </a:ln>
+        </p:spPr>
+        <p:style>
+          <a:lnRef idx="2">
+            <a:schemeClr val="accent1">
+              <a:shade val="50000"/>
+            </a:schemeClr>
+          </a:lnRef>
+          <a:fillRef idx="1">
+            <a:schemeClr val="accent1"/>
+          </a:fillRef>
+          <a:effectRef idx="0">
+            <a:schemeClr val="accent1"/>
+          </a:effectRef>
+          <a:fontRef idx="minor">
+            <a:schemeClr val="lt1"/>
+          </a:fontRef>
+        </p:style>
+        <p:txBody>
+          <a:bodyPr rtlCol="0" anchor="ctr"/>
+          <a:lstStyle/>
+          <a:p>
+            <a:pPr algn="ctr"/>
+            <a:endParaRPr lang="es-ES_tradnl"/>
+          </a:p>
+        </p:txBody>
+      </p:sp>
+      <p:pic>
+        <p:nvPicPr>
+          <p:cNvPr id="9" name="Imagen 8">
+            <a:extLst>
+              <a:ext uri="{FF2B5EF4-FFF2-40B4-BE49-F238E27FC236}">
+                <a16:creationId xmlns:a16="http://schemas.microsoft.com/office/drawing/2014/main" id="{0ABDBA11-76F4-5519-BAA1-90A9635CC3B6}"/>
               </a:ext>
             </a:extLst>
           </p:cNvPr>
@@ -7202,50 +7777,20 @@
         </p:blipFill>
         <p:spPr>
           <a:xfrm>
-            <a:off x="353399" y="2719540"/>
-            <a:ext cx="3118828" cy="3163440"/>
+            <a:off x="4729842" y="2056716"/>
+            <a:ext cx="2010912" cy="6359908"/>
           </a:xfrm>
           <a:prstGeom prst="rect">
             <a:avLst/>
           </a:prstGeom>
-          <a:solidFill>
-            <a:srgbClr val="FFFFFF">
-              <a:shade val="85000"/>
-            </a:srgbClr>
-          </a:solidFill>
-          <a:ln w="88900" cap="sq">
-            <a:solidFill>
-              <a:srgbClr val="FFFFFF"/>
-            </a:solidFill>
-            <a:miter lim="800000"/>
-          </a:ln>
-          <a:effectLst>
-            <a:outerShdw blurRad="55000" dist="18000" dir="5400000" algn="tl" rotWithShape="0">
-              <a:srgbClr val="000000">
-                <a:alpha val="40000"/>
-              </a:srgbClr>
-            </a:outerShdw>
-          </a:effectLst>
-          <a:scene3d>
-            <a:camera prst="orthographicFront"/>
-            <a:lightRig rig="twoPt" dir="t">
-              <a:rot lat="0" lon="0" rev="7200000"/>
-            </a:lightRig>
-          </a:scene3d>
-          <a:sp3d>
-            <a:bevelT w="25400" h="19050"/>
-            <a:contourClr>
-              <a:srgbClr val="FFFFFF"/>
-            </a:contourClr>
-          </a:sp3d>
         </p:spPr>
       </p:pic>
       <p:pic>
         <p:nvPicPr>
-          <p:cNvPr id="21" name="Picture 20">
+          <p:cNvPr id="16" name="Imagen 15">
             <a:extLst>
               <a:ext uri="{FF2B5EF4-FFF2-40B4-BE49-F238E27FC236}">
-                <a16:creationId xmlns:a16="http://schemas.microsoft.com/office/drawing/2014/main" id="{26393B99-C51C-8094-B0FE-04493433206A}"/>
+                <a16:creationId xmlns:a16="http://schemas.microsoft.com/office/drawing/2014/main" id="{71CDA7F3-B2E4-FC3D-4A8C-AA061C2748D6}"/>
               </a:ext>
             </a:extLst>
           </p:cNvPr>
@@ -7254,15 +7799,16 @@
           </p:cNvPicPr>
           <p:nvPr/>
         </p:nvPicPr>
-        <p:blipFill rotWithShape="1">
+        <p:blipFill>
           <a:blip r:embed="rId3"/>
-          <a:srcRect t="2215"/>
-          <a:stretch/>
+          <a:stretch>
+            <a:fillRect/>
+          </a:stretch>
         </p:blipFill>
         <p:spPr>
           <a:xfrm>
-            <a:off x="3860175" y="2637543"/>
-            <a:ext cx="2565948" cy="1122288"/>
+            <a:off x="275292" y="2056717"/>
+            <a:ext cx="2346529" cy="3433622"/>
           </a:xfrm>
           <a:prstGeom prst="rect">
             <a:avLst/>
@@ -7271,10 +7817,10 @@
       </p:pic>
       <p:pic>
         <p:nvPicPr>
-          <p:cNvPr id="24" name="Picture 23">
+          <p:cNvPr id="20" name="Imagen 19">
             <a:extLst>
               <a:ext uri="{FF2B5EF4-FFF2-40B4-BE49-F238E27FC236}">
-                <a16:creationId xmlns:a16="http://schemas.microsoft.com/office/drawing/2014/main" id="{93A7290C-DF28-F7E4-F12B-17CBD2DB28B0}"/>
+                <a16:creationId xmlns:a16="http://schemas.microsoft.com/office/drawing/2014/main" id="{88F262E8-AF0D-CC1B-F16D-D6A33BB1C687}"/>
               </a:ext>
             </a:extLst>
           </p:cNvPr>
@@ -7291,8 +7837,8 @@
         </p:blipFill>
         <p:spPr>
           <a:xfrm>
-            <a:off x="299618" y="6287820"/>
-            <a:ext cx="1674147" cy="809402"/>
+            <a:off x="275292" y="5490340"/>
+            <a:ext cx="4352464" cy="2872274"/>
           </a:xfrm>
           <a:prstGeom prst="rect">
             <a:avLst/>
@@ -7301,10 +7847,10 @@
       </p:pic>
       <p:pic>
         <p:nvPicPr>
-          <p:cNvPr id="26" name="Picture 25">
+          <p:cNvPr id="22" name="Imagen 21">
             <a:extLst>
               <a:ext uri="{FF2B5EF4-FFF2-40B4-BE49-F238E27FC236}">
-                <a16:creationId xmlns:a16="http://schemas.microsoft.com/office/drawing/2014/main" id="{8EB91B47-A5DF-4C4B-F96D-82D9B382E6CD}"/>
+                <a16:creationId xmlns:a16="http://schemas.microsoft.com/office/drawing/2014/main" id="{0CAE81DD-75E4-8F60-5C71-99A771D29BDF}"/>
               </a:ext>
             </a:extLst>
           </p:cNvPr>
@@ -7321,126 +7867,18 @@
         </p:blipFill>
         <p:spPr>
           <a:xfrm>
-            <a:off x="2036414" y="6287820"/>
-            <a:ext cx="1543066" cy="1529989"/>
+            <a:off x="2783821" y="2056716"/>
+            <a:ext cx="1784021" cy="3287772"/>
           </a:xfrm>
           <a:prstGeom prst="rect">
             <a:avLst/>
           </a:prstGeom>
         </p:spPr>
       </p:pic>
-      <p:pic>
-        <p:nvPicPr>
-          <p:cNvPr id="30" name="Picture 29">
-            <a:extLst>
-              <a:ext uri="{FF2B5EF4-FFF2-40B4-BE49-F238E27FC236}">
-                <a16:creationId xmlns:a16="http://schemas.microsoft.com/office/drawing/2014/main" id="{7B8FC01C-AF5B-8B8F-4FC8-4103A1E479D4}"/>
-              </a:ext>
-            </a:extLst>
-          </p:cNvPr>
-          <p:cNvPicPr>
-            <a:picLocks noChangeAspect="1"/>
-          </p:cNvPicPr>
-          <p:nvPr/>
-        </p:nvPicPr>
-        <p:blipFill>
-          <a:blip r:embed="rId6"/>
-          <a:stretch>
-            <a:fillRect/>
-          </a:stretch>
-        </p:blipFill>
-        <p:spPr>
-          <a:xfrm>
-            <a:off x="3860175" y="3759831"/>
-            <a:ext cx="2565948" cy="4809186"/>
-          </a:xfrm>
-          <a:prstGeom prst="rect">
-            <a:avLst/>
-          </a:prstGeom>
-        </p:spPr>
-      </p:pic>
-      <p:sp>
-        <p:nvSpPr>
-          <p:cNvPr id="32" name="TextBox 31">
-            <a:extLst>
-              <a:ext uri="{FF2B5EF4-FFF2-40B4-BE49-F238E27FC236}">
-                <a16:creationId xmlns:a16="http://schemas.microsoft.com/office/drawing/2014/main" id="{5FCAEB43-38A3-7736-0AC1-54E64573C54E}"/>
-              </a:ext>
-            </a:extLst>
-          </p:cNvPr>
-          <p:cNvSpPr txBox="1"/>
-          <p:nvPr/>
-        </p:nvSpPr>
-        <p:spPr>
-          <a:xfrm>
-            <a:off x="299618" y="2191798"/>
-            <a:ext cx="4362915" cy="369332"/>
-          </a:xfrm>
-          <a:prstGeom prst="rect">
-            <a:avLst/>
-          </a:prstGeom>
-          <a:noFill/>
-        </p:spPr>
-        <p:txBody>
-          <a:bodyPr wrap="square">
-            <a:spAutoFit/>
-          </a:bodyPr>
-          <a:lstStyle/>
-          <a:p>
-            <a:r>
-              <a:rPr lang="es-ES" dirty="0">
-                <a:hlinkClick r:id="rId7"/>
-              </a:rPr>
-              <a:t>https://github.com/mch56693/CSS.git</a:t>
-            </a:r>
-            <a:endParaRPr lang="es-ES" dirty="0"/>
-          </a:p>
-        </p:txBody>
-      </p:sp>
-      <p:sp>
-        <p:nvSpPr>
-          <p:cNvPr id="7" name="TextBox 6">
-            <a:extLst>
-              <a:ext uri="{FF2B5EF4-FFF2-40B4-BE49-F238E27FC236}">
-                <a16:creationId xmlns:a16="http://schemas.microsoft.com/office/drawing/2014/main" id="{55B2959E-1254-A500-DE45-C95A8BA15770}"/>
-              </a:ext>
-            </a:extLst>
-          </p:cNvPr>
-          <p:cNvSpPr txBox="1"/>
-          <p:nvPr/>
-        </p:nvSpPr>
-        <p:spPr>
-          <a:xfrm>
-            <a:off x="299617" y="1871823"/>
-            <a:ext cx="4362915" cy="369332"/>
-          </a:xfrm>
-          <a:prstGeom prst="rect">
-            <a:avLst/>
-          </a:prstGeom>
-          <a:noFill/>
-        </p:spPr>
-        <p:txBody>
-          <a:bodyPr wrap="square">
-            <a:spAutoFit/>
-          </a:bodyPr>
-          <a:lstStyle/>
-          <a:p>
-            <a:r>
-              <a:rPr lang="es-ES" i="0" u="none" strike="noStrike" dirty="0">
-                <a:effectLst/>
-                <a:latin typeface="-apple-system"/>
-                <a:hlinkClick r:id="rId8"/>
-              </a:rPr>
-              <a:t>https://mch56693.github.io/CSS/</a:t>
-            </a:r>
-            <a:endParaRPr lang="es-ES" dirty="0"/>
-          </a:p>
-        </p:txBody>
-      </p:sp>
     </p:spTree>
     <p:extLst>
       <p:ext uri="{BB962C8B-B14F-4D97-AF65-F5344CB8AC3E}">
-        <p14:creationId xmlns:p14="http://schemas.microsoft.com/office/powerpoint/2010/main" val="2650330283"/>
+        <p14:creationId xmlns:p14="http://schemas.microsoft.com/office/powerpoint/2010/main" val="1575306028"/>
       </p:ext>
     </p:extLst>
   </p:cSld>
@@ -7450,7 +7888,7 @@
 </p:sld>
 </file>
 
-<file path=ppt/slides/slide7.xml><?xml version="1.0" encoding="utf-8"?>
+<file path=ppt/slides/slide8.xml><?xml version="1.0" encoding="utf-8"?>
 <p:sld xmlns:a="http://schemas.openxmlformats.org/drawingml/2006/main" xmlns:r="http://schemas.openxmlformats.org/officeDocument/2006/relationships" xmlns:p="http://schemas.openxmlformats.org/presentationml/2006/main">
   <p:cSld>
     <p:bg>
